--- a/course slides/week_09.pptx
+++ b/course slides/week_09.pptx
@@ -208,7 +208,7 @@
           <a:p>
             <a:fld id="{E7BF058D-E663-3E48-99D5-AFD0BCA1823C}" type="datetimeFigureOut">
               <a:rPr lang="en-US" smtClean="0"/>
-              <a:t>10/18/20</a:t>
+              <a:t>10/20/21</a:t>
             </a:fld>
             <a:endParaRPr lang="en-US"/>
           </a:p>
@@ -3964,7 +3964,7 @@
           <a:p>
             <a:fld id="{78A61C02-5DDA-4742-BA9F-16C918E9CF6D}" type="datetime1">
               <a:rPr lang="en-US" smtClean="0"/>
-              <a:t>10/18/20</a:t>
+              <a:t>10/20/21</a:t>
             </a:fld>
             <a:endParaRPr lang="en-US"/>
           </a:p>
@@ -4162,7 +4162,7 @@
           <a:p>
             <a:fld id="{548886B6-90A8-3541-BA71-86E77F56DAB4}" type="datetime1">
               <a:rPr lang="en-US" smtClean="0"/>
-              <a:t>10/18/20</a:t>
+              <a:t>10/20/21</a:t>
             </a:fld>
             <a:endParaRPr lang="en-US"/>
           </a:p>
@@ -4370,7 +4370,7 @@
           <a:p>
             <a:fld id="{852FF3A3-1CCF-A84D-A287-5CAF30DE28F4}" type="datetime1">
               <a:rPr lang="en-US" smtClean="0"/>
-              <a:t>10/18/20</a:t>
+              <a:t>10/20/21</a:t>
             </a:fld>
             <a:endParaRPr lang="en-US"/>
           </a:p>
@@ -4568,7 +4568,7 @@
           <a:p>
             <a:fld id="{8C15019A-578B-EF42-A6FE-609BC777F59C}" type="datetime1">
               <a:rPr lang="en-US" smtClean="0"/>
-              <a:t>10/18/20</a:t>
+              <a:t>10/20/21</a:t>
             </a:fld>
             <a:endParaRPr lang="en-US"/>
           </a:p>
@@ -4843,7 +4843,7 @@
           <a:p>
             <a:fld id="{8CF19FEC-2E87-404D-A86C-ABD7A0A24F55}" type="datetime1">
               <a:rPr lang="en-US" smtClean="0"/>
-              <a:t>10/18/20</a:t>
+              <a:t>10/20/21</a:t>
             </a:fld>
             <a:endParaRPr lang="en-US"/>
           </a:p>
@@ -5108,7 +5108,7 @@
           <a:p>
             <a:fld id="{446EA608-0CB1-7045-BE57-7D86CEA40281}" type="datetime1">
               <a:rPr lang="en-US" smtClean="0"/>
-              <a:t>10/18/20</a:t>
+              <a:t>10/20/21</a:t>
             </a:fld>
             <a:endParaRPr lang="en-US"/>
           </a:p>
@@ -5520,7 +5520,7 @@
           <a:p>
             <a:fld id="{C727496E-E60B-0146-8488-196488F29A43}" type="datetime1">
               <a:rPr lang="en-US" smtClean="0"/>
-              <a:t>10/18/20</a:t>
+              <a:t>10/20/21</a:t>
             </a:fld>
             <a:endParaRPr lang="en-US"/>
           </a:p>
@@ -5661,7 +5661,7 @@
           <a:p>
             <a:fld id="{F546FB0E-EB75-9B48-A4BD-2C5B9A04751D}" type="datetime1">
               <a:rPr lang="en-US" smtClean="0"/>
-              <a:t>10/18/20</a:t>
+              <a:t>10/20/21</a:t>
             </a:fld>
             <a:endParaRPr lang="en-US"/>
           </a:p>
@@ -5774,7 +5774,7 @@
           <a:p>
             <a:fld id="{A456FF61-9A5E-1841-AE70-3D847B065C08}" type="datetime1">
               <a:rPr lang="en-US" smtClean="0"/>
-              <a:t>10/18/20</a:t>
+              <a:t>10/20/21</a:t>
             </a:fld>
             <a:endParaRPr lang="en-US"/>
           </a:p>
@@ -6085,7 +6085,7 @@
           <a:p>
             <a:fld id="{FE8A8F49-DF40-F949-8DE2-65B98C5FEDD7}" type="datetime1">
               <a:rPr lang="en-US" smtClean="0"/>
-              <a:t>10/18/20</a:t>
+              <a:t>10/20/21</a:t>
             </a:fld>
             <a:endParaRPr lang="en-US"/>
           </a:p>
@@ -6373,7 +6373,7 @@
           <a:p>
             <a:fld id="{A85EFE4E-DFE8-4C42-98CC-30B935E5C550}" type="datetime1">
               <a:rPr lang="en-US" smtClean="0"/>
-              <a:t>10/18/20</a:t>
+              <a:t>10/20/21</a:t>
             </a:fld>
             <a:endParaRPr lang="en-US"/>
           </a:p>
@@ -6614,7 +6614,7 @@
           <a:p>
             <a:fld id="{5A0C85FA-79DF-354D-A01A-3E5AA821AAF9}" type="datetime1">
               <a:rPr lang="en-US" smtClean="0"/>
-              <a:t>10/18/20</a:t>
+              <a:t>10/20/21</a:t>
             </a:fld>
             <a:endParaRPr lang="en-US"/>
           </a:p>
@@ -7059,7 +7059,7 @@
               <a:rPr lang="en-US" sz="2800" dirty="0">
                 <a:latin typeface="Garamond" panose="02020404030301010803" pitchFamily="18" charset="0"/>
               </a:rPr>
-              <a:t>INFO 656-01 Fall 2020</a:t>
+              <a:t>INFO 656-01 Fall 2021</a:t>
             </a:r>
             <a:br>
               <a:rPr lang="en-US" b="1" dirty="0">

--- a/course slides/week_09.pptx
+++ b/course slides/week_09.pptx
@@ -208,7 +208,7 @@
           <a:p>
             <a:fld id="{E7BF058D-E663-3E48-99D5-AFD0BCA1823C}" type="datetimeFigureOut">
               <a:rPr lang="en-US" smtClean="0"/>
-              <a:t>10/20/21</a:t>
+              <a:t>10/26/22</a:t>
             </a:fld>
             <a:endParaRPr lang="en-US"/>
           </a:p>
@@ -3964,7 +3964,7 @@
           <a:p>
             <a:fld id="{78A61C02-5DDA-4742-BA9F-16C918E9CF6D}" type="datetime1">
               <a:rPr lang="en-US" smtClean="0"/>
-              <a:t>10/20/21</a:t>
+              <a:t>10/26/22</a:t>
             </a:fld>
             <a:endParaRPr lang="en-US"/>
           </a:p>
@@ -4162,7 +4162,7 @@
           <a:p>
             <a:fld id="{548886B6-90A8-3541-BA71-86E77F56DAB4}" type="datetime1">
               <a:rPr lang="en-US" smtClean="0"/>
-              <a:t>10/20/21</a:t>
+              <a:t>10/26/22</a:t>
             </a:fld>
             <a:endParaRPr lang="en-US"/>
           </a:p>
@@ -4370,7 +4370,7 @@
           <a:p>
             <a:fld id="{852FF3A3-1CCF-A84D-A287-5CAF30DE28F4}" type="datetime1">
               <a:rPr lang="en-US" smtClean="0"/>
-              <a:t>10/20/21</a:t>
+              <a:t>10/26/22</a:t>
             </a:fld>
             <a:endParaRPr lang="en-US"/>
           </a:p>
@@ -4568,7 +4568,7 @@
           <a:p>
             <a:fld id="{8C15019A-578B-EF42-A6FE-609BC777F59C}" type="datetime1">
               <a:rPr lang="en-US" smtClean="0"/>
-              <a:t>10/20/21</a:t>
+              <a:t>10/26/22</a:t>
             </a:fld>
             <a:endParaRPr lang="en-US"/>
           </a:p>
@@ -4843,7 +4843,7 @@
           <a:p>
             <a:fld id="{8CF19FEC-2E87-404D-A86C-ABD7A0A24F55}" type="datetime1">
               <a:rPr lang="en-US" smtClean="0"/>
-              <a:t>10/20/21</a:t>
+              <a:t>10/26/22</a:t>
             </a:fld>
             <a:endParaRPr lang="en-US"/>
           </a:p>
@@ -5108,7 +5108,7 @@
           <a:p>
             <a:fld id="{446EA608-0CB1-7045-BE57-7D86CEA40281}" type="datetime1">
               <a:rPr lang="en-US" smtClean="0"/>
-              <a:t>10/20/21</a:t>
+              <a:t>10/26/22</a:t>
             </a:fld>
             <a:endParaRPr lang="en-US"/>
           </a:p>
@@ -5520,7 +5520,7 @@
           <a:p>
             <a:fld id="{C727496E-E60B-0146-8488-196488F29A43}" type="datetime1">
               <a:rPr lang="en-US" smtClean="0"/>
-              <a:t>10/20/21</a:t>
+              <a:t>10/26/22</a:t>
             </a:fld>
             <a:endParaRPr lang="en-US"/>
           </a:p>
@@ -5661,7 +5661,7 @@
           <a:p>
             <a:fld id="{F546FB0E-EB75-9B48-A4BD-2C5B9A04751D}" type="datetime1">
               <a:rPr lang="en-US" smtClean="0"/>
-              <a:t>10/20/21</a:t>
+              <a:t>10/26/22</a:t>
             </a:fld>
             <a:endParaRPr lang="en-US"/>
           </a:p>
@@ -5774,7 +5774,7 @@
           <a:p>
             <a:fld id="{A456FF61-9A5E-1841-AE70-3D847B065C08}" type="datetime1">
               <a:rPr lang="en-US" smtClean="0"/>
-              <a:t>10/20/21</a:t>
+              <a:t>10/26/22</a:t>
             </a:fld>
             <a:endParaRPr lang="en-US"/>
           </a:p>
@@ -6085,7 +6085,7 @@
           <a:p>
             <a:fld id="{FE8A8F49-DF40-F949-8DE2-65B98C5FEDD7}" type="datetime1">
               <a:rPr lang="en-US" smtClean="0"/>
-              <a:t>10/20/21</a:t>
+              <a:t>10/26/22</a:t>
             </a:fld>
             <a:endParaRPr lang="en-US"/>
           </a:p>
@@ -6373,7 +6373,7 @@
           <a:p>
             <a:fld id="{A85EFE4E-DFE8-4C42-98CC-30B935E5C550}" type="datetime1">
               <a:rPr lang="en-US" smtClean="0"/>
-              <a:t>10/20/21</a:t>
+              <a:t>10/26/22</a:t>
             </a:fld>
             <a:endParaRPr lang="en-US"/>
           </a:p>
@@ -6614,7 +6614,7 @@
           <a:p>
             <a:fld id="{5A0C85FA-79DF-354D-A01A-3E5AA821AAF9}" type="datetime1">
               <a:rPr lang="en-US" smtClean="0"/>
-              <a:t>10/20/21</a:t>
+              <a:t>10/26/22</a:t>
             </a:fld>
             <a:endParaRPr lang="en-US"/>
           </a:p>
@@ -7059,7 +7059,7 @@
               <a:rPr lang="en-US" sz="2800" dirty="0">
                 <a:latin typeface="Garamond" panose="02020404030301010803" pitchFamily="18" charset="0"/>
               </a:rPr>
-              <a:t>INFO 656-01 Fall 2021</a:t>
+              <a:t>INFO 656-01 Fall 2022</a:t>
             </a:r>
             <a:br>
               <a:rPr lang="en-US" b="1" dirty="0">
